--- a/Daily Agendas/Day6.2_PythonMoreVariables.pptx
+++ b/Daily Agendas/Day6.2_PythonMoreVariables.pptx
@@ -3724,8 +3724,47 @@
               <a:rPr lang="en-US" dirty="0">
                 <a:hlinkClick r:id="rId2"/>
               </a:rPr>
-              <a:t>https://www.ted.com/talks/neha_narula_the_future_of_money/discussion</a:t>
-            </a:r>
+              <a:t>https://</a:t>
+            </a:r>
+            <a:r>
+              <a:rPr lang="en-US" dirty="0" smtClean="0">
+                <a:hlinkClick r:id="rId2"/>
+              </a:rPr>
+              <a:t>www.ted.com/talks/neha_narula_the_future_of_money/discussion</a:t>
+            </a:r>
+            <a:endParaRPr lang="en-US" dirty="0" smtClean="0"/>
+          </a:p>
+          <a:p>
+            <a:endParaRPr lang="en-CA" dirty="0"/>
+          </a:p>
+          <a:p>
+            <a:r>
+              <a:rPr lang="en-CA" dirty="0" smtClean="0"/>
+              <a:t>Enviro</a:t>
+            </a:r>
+          </a:p>
+          <a:p>
+            <a:r>
+              <a:rPr lang="en-US">
+                <a:hlinkClick r:id="rId3"/>
+              </a:rPr>
+              <a:t>https://</a:t>
+            </a:r>
+            <a:r>
+              <a:rPr lang="en-US">
+                <a:hlinkClick r:id="rId3"/>
+              </a:rPr>
+              <a:t>www.cbsnews.com/news/how-is-bitcoin-affecting-the-environment</a:t>
+            </a:r>
+            <a:r>
+              <a:rPr lang="en-US" smtClean="0">
+                <a:hlinkClick r:id="rId3"/>
+              </a:rPr>
+              <a:t>/</a:t>
+            </a:r>
+            <a:endParaRPr lang="en-US" smtClean="0"/>
+          </a:p>
+          <a:p>
             <a:endParaRPr lang="en-US" dirty="0"/>
           </a:p>
         </p:txBody>
